--- a/rnn/파이썬 전처리 코드 모듈화 설명.pptx
+++ b/rnn/파이썬 전처리 코드 모듈화 설명.pptx
@@ -554,7 +554,7 @@
               <a:pPr>
                 <a:defRPr/>
               </a:pPr>
-              <a:t>2020-03-27</a:t>
+              <a:t>2020-03-31</a:t>
             </a:fld>
             <a:endParaRPr lang="ko-KR" altLang="en-US"/>
           </a:p>
@@ -3407,7 +3407,7 @@
                 <a:latin typeface="나눔고딕" panose="020D0604000000000000" pitchFamily="50" charset="-127"/>
                 <a:ea typeface="나눔고딕" panose="020D0604000000000000" pitchFamily="50" charset="-127"/>
               </a:rPr>
-              <a:t>1.1 RNN </a:t>
+              <a:t>1. RNN </a:t>
             </a:r>
             <a:r>
               <a:rPr lang="ko-KR" altLang="en-US" sz="2800" kern="0" dirty="0" smtClean="0">
@@ -3459,7 +3459,7 @@
         </p:nvSpPr>
         <p:spPr bwMode="auto">
           <a:xfrm>
-            <a:off x="474531" y="1437907"/>
+            <a:off x="474531" y="1365899"/>
             <a:ext cx="8103770" cy="2505579"/>
           </a:xfrm>
           <a:prstGeom prst="rect">
@@ -3519,7 +3519,7 @@
         </p:nvGrpSpPr>
         <p:grpSpPr bwMode="auto">
           <a:xfrm>
-            <a:off x="474531" y="1052736"/>
+            <a:off x="474531" y="980728"/>
             <a:ext cx="2664292" cy="366713"/>
             <a:chOff x="-1538748" y="1661109"/>
             <a:chExt cx="653895" cy="365758"/>
@@ -3746,13 +3746,13 @@
           <p:nvPr>
             <p:extLst>
               <p:ext uri="{D42A27DB-BD31-4B8C-83A1-F6EECF244321}">
-                <p14:modId xmlns:p14="http://schemas.microsoft.com/office/powerpoint/2010/main" val="1352832150"/>
+                <p14:modId xmlns:p14="http://schemas.microsoft.com/office/powerpoint/2010/main" val="1937963509"/>
               </p:ext>
             </p:extLst>
           </p:nvPr>
         </p:nvGraphicFramePr>
         <p:xfrm>
-          <a:off x="683568" y="1524518"/>
+          <a:off x="683568" y="1452510"/>
           <a:ext cx="4488162" cy="2346960"/>
         </p:xfrm>
         <a:graphic>
@@ -9548,7 +9548,7 @@
         </p:nvSpPr>
         <p:spPr>
           <a:xfrm>
-            <a:off x="5436096" y="2026853"/>
+            <a:off x="5436096" y="1954845"/>
             <a:ext cx="2863641" cy="692497"/>
           </a:xfrm>
           <a:prstGeom prst="rect">
@@ -10157,8 +10157,8 @@
         </p:nvSpPr>
         <p:spPr bwMode="auto">
           <a:xfrm>
-            <a:off x="473958" y="4464027"/>
-            <a:ext cx="8103770" cy="2138865"/>
+            <a:off x="473958" y="4392019"/>
+            <a:ext cx="8103770" cy="2066857"/>
           </a:xfrm>
           <a:prstGeom prst="rect">
             <a:avLst/>
@@ -10217,7 +10217,7 @@
         </p:nvGrpSpPr>
         <p:grpSpPr bwMode="auto">
           <a:xfrm>
-            <a:off x="473958" y="4078856"/>
+            <a:off x="473958" y="4006848"/>
             <a:ext cx="2664292" cy="366713"/>
             <a:chOff x="-1538748" y="1661109"/>
             <a:chExt cx="653895" cy="365758"/>
@@ -10424,7 +10424,7 @@
         </p:nvSpPr>
         <p:spPr bwMode="auto">
           <a:xfrm>
-            <a:off x="502916" y="4493950"/>
+            <a:off x="502916" y="4421942"/>
             <a:ext cx="8033247" cy="954107"/>
           </a:xfrm>
           <a:prstGeom prst="rect">
@@ -10872,7 +10872,7 @@
         </p:nvSpPr>
         <p:spPr>
           <a:xfrm>
-            <a:off x="667111" y="5506933"/>
+            <a:off x="667111" y="5434925"/>
             <a:ext cx="7704856" cy="923330"/>
           </a:xfrm>
           <a:prstGeom prst="rect">
@@ -13811,7 +13811,7 @@
                 <a:latin typeface="나눔고딕" panose="020D0604000000000000" pitchFamily="50" charset="-127"/>
                 <a:ea typeface="나눔고딕" panose="020D0604000000000000" pitchFamily="50" charset="-127"/>
               </a:rPr>
-              <a:t>1.1 RNN </a:t>
+              <a:t>1. RNN </a:t>
             </a:r>
             <a:r>
               <a:rPr lang="ko-KR" altLang="en-US" sz="2800" kern="0" dirty="0" smtClean="0">
@@ -15760,7 +15760,7 @@
                 <a:latin typeface="나눔고딕" panose="020D0604000000000000" pitchFamily="50" charset="-127"/>
                 <a:ea typeface="나눔고딕" panose="020D0604000000000000" pitchFamily="50" charset="-127"/>
               </a:rPr>
-              <a:t>1.1 RNN </a:t>
+              <a:t>1. RNN </a:t>
             </a:r>
             <a:r>
               <a:rPr lang="ko-KR" altLang="en-US" sz="2800" kern="0" dirty="0" smtClean="0">
